--- a/AZ WAF Rule Logic.pptx
+++ b/AZ WAF Rule Logic.pptx
@@ -4291,6 +4291,30 @@
               </a:rPr>
               <a:t>Default Ruleset</a:t>
             </a:r>
+            <a:r>
+              <a:rPr lang="en-US" dirty="0">
+                <a:solidFill>
+                  <a:schemeClr val="bg1"/>
+                </a:solidFill>
+              </a:rPr>
+              <a:t> (0.1, 1.0) , Microsoft Default Ruleset (1.0) </a:t>
+            </a:r>
+            <a:r>
+              <a:rPr lang="en-US" dirty="0">
+                <a:solidFill>
+                  <a:schemeClr val="bg1"/>
+                </a:solidFill>
+                <a:latin typeface="Calibri" panose="020F0502020204030204"/>
+                <a:hlinkClick r:id="rId6">
+                  <a:extLst>
+                    <a:ext uri="{A12FA001-AC4F-418D-AE19-62706E023703}">
+                      <ahyp:hlinkClr xmlns:ahyp="http://schemas.microsoft.com/office/drawing/2018/hyperlinkcolor" val="tx"/>
+                    </a:ext>
+                  </a:extLst>
+                </a:hlinkClick>
+              </a:rPr>
+              <a:t>Anomaly Scoring details</a:t>
+            </a:r>
             <a:endParaRPr lang="en-US" dirty="0">
               <a:solidFill>
                 <a:schemeClr val="bg1"/>
@@ -5250,7 +5274,7 @@
                 <a:ea typeface="+mn-ea"/>
                 <a:cs typeface="+mn-cs"/>
               </a:rPr>
-              <a:t>Use priority rules in increments of 100 to allow for changes over time</a:t>
+              <a:t>Use priority rules in increments of 10 to allow for changes over time</a:t>
             </a:r>
           </a:p>
           <a:p>

--- a/AZ WAF Rule Logic.pptx
+++ b/AZ WAF Rule Logic.pptx
@@ -199,7 +199,7 @@
           <a:p>
             <a:fld id="{ECA324CA-3E34-41A7-8C47-61D6B730EBBD}" type="datetimeFigureOut">
               <a:rPr lang="en-US" smtClean="0"/>
-              <a:t>11/24/2021</a:t>
+              <a:t>1/26/2023</a:t>
             </a:fld>
             <a:endParaRPr lang="en-US"/>
           </a:p>
@@ -994,7 +994,7 @@
           <a:p>
             <a:fld id="{FD433C0E-0CD3-4D7C-9A7B-A0E71F78F65B}" type="datetimeFigureOut">
               <a:rPr lang="en-US" smtClean="0"/>
-              <a:t>11/24/2021</a:t>
+              <a:t>1/26/2023</a:t>
             </a:fld>
             <a:endParaRPr lang="en-US"/>
           </a:p>
@@ -1192,7 +1192,7 @@
           <a:p>
             <a:fld id="{FD433C0E-0CD3-4D7C-9A7B-A0E71F78F65B}" type="datetimeFigureOut">
               <a:rPr lang="en-US" smtClean="0"/>
-              <a:t>11/24/2021</a:t>
+              <a:t>1/26/2023</a:t>
             </a:fld>
             <a:endParaRPr lang="en-US"/>
           </a:p>
@@ -1400,7 +1400,7 @@
           <a:p>
             <a:fld id="{FD433C0E-0CD3-4D7C-9A7B-A0E71F78F65B}" type="datetimeFigureOut">
               <a:rPr lang="en-US" smtClean="0"/>
-              <a:t>11/24/2021</a:t>
+              <a:t>1/26/2023</a:t>
             </a:fld>
             <a:endParaRPr lang="en-US"/>
           </a:p>
@@ -1598,7 +1598,7 @@
           <a:p>
             <a:fld id="{FD433C0E-0CD3-4D7C-9A7B-A0E71F78F65B}" type="datetimeFigureOut">
               <a:rPr lang="en-US" smtClean="0"/>
-              <a:t>11/24/2021</a:t>
+              <a:t>1/26/2023</a:t>
             </a:fld>
             <a:endParaRPr lang="en-US"/>
           </a:p>
@@ -1873,7 +1873,7 @@
           <a:p>
             <a:fld id="{FD433C0E-0CD3-4D7C-9A7B-A0E71F78F65B}" type="datetimeFigureOut">
               <a:rPr lang="en-US" smtClean="0"/>
-              <a:t>11/24/2021</a:t>
+              <a:t>1/26/2023</a:t>
             </a:fld>
             <a:endParaRPr lang="en-US"/>
           </a:p>
@@ -2138,7 +2138,7 @@
           <a:p>
             <a:fld id="{FD433C0E-0CD3-4D7C-9A7B-A0E71F78F65B}" type="datetimeFigureOut">
               <a:rPr lang="en-US" smtClean="0"/>
-              <a:t>11/24/2021</a:t>
+              <a:t>1/26/2023</a:t>
             </a:fld>
             <a:endParaRPr lang="en-US"/>
           </a:p>
@@ -2550,7 +2550,7 @@
           <a:p>
             <a:fld id="{FD433C0E-0CD3-4D7C-9A7B-A0E71F78F65B}" type="datetimeFigureOut">
               <a:rPr lang="en-US" smtClean="0"/>
-              <a:t>11/24/2021</a:t>
+              <a:t>1/26/2023</a:t>
             </a:fld>
             <a:endParaRPr lang="en-US"/>
           </a:p>
@@ -2691,7 +2691,7 @@
           <a:p>
             <a:fld id="{FD433C0E-0CD3-4D7C-9A7B-A0E71F78F65B}" type="datetimeFigureOut">
               <a:rPr lang="en-US" smtClean="0"/>
-              <a:t>11/24/2021</a:t>
+              <a:t>1/26/2023</a:t>
             </a:fld>
             <a:endParaRPr lang="en-US"/>
           </a:p>
@@ -2804,7 +2804,7 @@
           <a:p>
             <a:fld id="{FD433C0E-0CD3-4D7C-9A7B-A0E71F78F65B}" type="datetimeFigureOut">
               <a:rPr lang="en-US" smtClean="0"/>
-              <a:t>11/24/2021</a:t>
+              <a:t>1/26/2023</a:t>
             </a:fld>
             <a:endParaRPr lang="en-US"/>
           </a:p>
@@ -3115,7 +3115,7 @@
           <a:p>
             <a:fld id="{FD433C0E-0CD3-4D7C-9A7B-A0E71F78F65B}" type="datetimeFigureOut">
               <a:rPr lang="en-US" smtClean="0"/>
-              <a:t>11/24/2021</a:t>
+              <a:t>1/26/2023</a:t>
             </a:fld>
             <a:endParaRPr lang="en-US"/>
           </a:p>
@@ -3403,7 +3403,7 @@
           <a:p>
             <a:fld id="{FD433C0E-0CD3-4D7C-9A7B-A0E71F78F65B}" type="datetimeFigureOut">
               <a:rPr lang="en-US" smtClean="0"/>
-              <a:t>11/24/2021</a:t>
+              <a:t>1/26/2023</a:t>
             </a:fld>
             <a:endParaRPr lang="en-US"/>
           </a:p>
@@ -3644,7 +3644,7 @@
           <a:p>
             <a:fld id="{FD433C0E-0CD3-4D7C-9A7B-A0E71F78F65B}" type="datetimeFigureOut">
               <a:rPr lang="en-US" smtClean="0"/>
-              <a:t>11/24/2021</a:t>
+              <a:t>1/26/2023</a:t>
             </a:fld>
             <a:endParaRPr lang="en-US"/>
           </a:p>
@@ -4289,7 +4289,7 @@
                   </a:extLst>
                 </a:hlinkClick>
               </a:rPr>
-              <a:t>Default Ruleset</a:t>
+              <a:t>Microsoft Default Ruleset</a:t>
             </a:r>
             <a:r>
               <a:rPr lang="en-US" dirty="0">
@@ -4297,14 +4297,13 @@
                   <a:schemeClr val="bg1"/>
                 </a:solidFill>
               </a:rPr>
-              <a:t> (0.1, 1.0) , Microsoft Default Ruleset (1.0) </a:t>
+              <a:t> (1.1, 2.0, </a:t>
             </a:r>
             <a:r>
               <a:rPr lang="en-US" dirty="0">
                 <a:solidFill>
                   <a:schemeClr val="bg1"/>
                 </a:solidFill>
-                <a:latin typeface="Calibri" panose="020F0502020204030204"/>
                 <a:hlinkClick r:id="rId6">
                   <a:extLst>
                     <a:ext uri="{A12FA001-AC4F-418D-AE19-62706E023703}">
@@ -4313,7 +4312,67 @@
                   </a:extLst>
                 </a:hlinkClick>
               </a:rPr>
+              <a:t>2.1</a:t>
+            </a:r>
+            <a:r>
+              <a:rPr lang="en-US" dirty="0">
+                <a:solidFill>
+                  <a:schemeClr val="bg1"/>
+                </a:solidFill>
+              </a:rPr>
+              <a:t>) </a:t>
+            </a:r>
+            <a:r>
+              <a:rPr lang="en-US" dirty="0">
+                <a:solidFill>
+                  <a:schemeClr val="bg1"/>
+                </a:solidFill>
+                <a:latin typeface="Calibri" panose="020F0502020204030204"/>
+                <a:hlinkClick r:id="rId7">
+                  <a:extLst>
+                    <a:ext uri="{A12FA001-AC4F-418D-AE19-62706E023703}">
+                      <ahyp:hlinkClr xmlns:ahyp="http://schemas.microsoft.com/office/drawing/2018/hyperlinkcolor" val="tx"/>
+                    </a:ext>
+                  </a:extLst>
+                </a:hlinkClick>
+              </a:rPr>
               <a:t>Anomaly Scoring details</a:t>
+            </a:r>
+            <a:endParaRPr lang="en-US" dirty="0">
+              <a:solidFill>
+                <a:schemeClr val="bg1"/>
+              </a:solidFill>
+              <a:latin typeface="Calibri" panose="020F0502020204030204"/>
+            </a:endParaRPr>
+          </a:p>
+          <a:p>
+            <a:pPr algn="ctr"/>
+            <a:r>
+              <a:rPr lang="en-US" dirty="0">
+                <a:solidFill>
+                  <a:schemeClr val="bg1"/>
+                </a:solidFill>
+                <a:latin typeface="Calibri" panose="020F0502020204030204"/>
+              </a:rPr>
+              <a:t>Microsoft </a:t>
+            </a:r>
+            <a:r>
+              <a:rPr lang="en-US">
+                <a:solidFill>
+                  <a:schemeClr val="bg1"/>
+                </a:solidFill>
+                <a:latin typeface="Calibri" panose="020F0502020204030204"/>
+              </a:rPr>
+              <a:t>Threat Intelligence </a:t>
+            </a:r>
+            <a:r>
+              <a:rPr lang="en-US" dirty="0">
+                <a:solidFill>
+                  <a:schemeClr val="bg1"/>
+                </a:solidFill>
+                <a:latin typeface="Calibri" panose="020F0502020204030204"/>
+              </a:rPr>
+              <a:t>- CVE inspired rules</a:t>
             </a:r>
             <a:endParaRPr lang="en-US" dirty="0">
               <a:solidFill>
@@ -7159,4 +7218,10 @@
     </a:ext>
   </a:extLst>
 </a:theme>
+</file>
+
+<file path=docMetadata/LabelInfo.xml><?xml version="1.0" encoding="utf-8"?>
+<clbl:labelList xmlns:clbl="http://schemas.microsoft.com/office/2020/mipLabelMetadata">
+  <clbl:label id="{f42aa342-8706-4288-bd11-ebb85995028c}" enabled="1" method="Standard" siteId="{72f988bf-86f1-41af-91ab-2d7cd011db47}" contentBits="0" removed="0"/>
+</clbl:labelList>
 </file>